--- a/slides/06_Configuration_Classes.pptx
+++ b/slides/06_Configuration_Classes.pptx
@@ -231,7 +231,7 @@
           <a:p>
             <a:fld id="{83DEBBD1-6077-4938-811F-54E4AC433829}" type="datetimeFigureOut">
               <a:rPr lang="en-GB" smtClean="0"/>
-              <a:t>16/09/2021</a:t>
+              <a:t>12/10/2021</a:t>
             </a:fld>
             <a:endParaRPr lang="en-GB"/>
           </a:p>
@@ -3647,7 +3647,7 @@
           <a:p>
             <a:fld id="{128B0A6C-EF38-9441-ADBF-8FE45FA6C46E}" type="datetimeFigureOut">
               <a:rPr lang="en-US" smtClean="0"/>
-              <a:t>9/16/2021</a:t>
+              <a:t>10/12/2021</a:t>
             </a:fld>
             <a:endParaRPr lang="en-US"/>
           </a:p>
@@ -11489,28 +11489,28 @@
           <a:p>
             <a:pPr lvl="1"/>
             <a:r>
-              <a:rPr lang="en-GB" sz="1800" dirty="0" err="1">
+              <a:rPr lang="en-GB" sz="1600" dirty="0" err="1">
                 <a:latin typeface="Courier New" panose="02070309020205020404" pitchFamily="49" charset="0"/>
                 <a:cs typeface="Courier New" panose="02070309020205020404" pitchFamily="49" charset="0"/>
               </a:rPr>
               <a:t>transcriptSize</a:t>
             </a:r>
             <a:r>
-              <a:rPr lang="en-GB" sz="1800" dirty="0">
-                <a:latin typeface="Courier New" panose="02070309020205020404" pitchFamily="49" charset="0"/>
-                <a:cs typeface="Courier New" panose="02070309020205020404" pitchFamily="49" charset="0"/>
-              </a:rPr>
-              <a:t> = 5</a:t>
+              <a:rPr lang="en-GB" sz="1600" dirty="0">
+                <a:latin typeface="Courier New" panose="02070309020205020404" pitchFamily="49" charset="0"/>
+                <a:cs typeface="Courier New" panose="02070309020205020404" pitchFamily="49" charset="0"/>
+              </a:rPr>
+              <a:t>=5</a:t>
             </a:r>
           </a:p>
           <a:p>
             <a:pPr lvl="1"/>
             <a:r>
-              <a:rPr lang="en-GB" sz="1800" dirty="0">
-                <a:latin typeface="Courier New" panose="02070309020205020404" pitchFamily="49" charset="0"/>
-                <a:cs typeface="Courier New" panose="02070309020205020404" pitchFamily="49" charset="0"/>
-              </a:rPr>
-              <a:t>cyclic = true</a:t>
+              <a:rPr lang="en-GB" sz="1600" dirty="0">
+                <a:latin typeface="Courier New" panose="02070309020205020404" pitchFamily="49" charset="0"/>
+                <a:cs typeface="Courier New" panose="02070309020205020404" pitchFamily="49" charset="0"/>
+              </a:rPr>
+              <a:t>cyclic=true</a:t>
             </a:r>
           </a:p>
           <a:p>
